--- a/Тетрис.pptx
+++ b/Тетрис.pptx
@@ -3664,11 +3664,7 @@
             </a:br>
             <a:r>
               <a:rPr lang="ru-RU" dirty="0" smtClean="0"/>
-              <a:t>О</a:t>
-            </a:r>
-            <a:r>
-              <a:rPr lang="ru-RU" dirty="0" smtClean="0"/>
-              <a:t>чистка </a:t>
+              <a:t>Очистка </a:t>
             </a:r>
             <a:r>
               <a:rPr lang="ru-RU" dirty="0"/>
@@ -3992,11 +3988,7 @@
             </a:br>
             <a:r>
               <a:rPr lang="ru-RU" dirty="0" err="1" smtClean="0"/>
-              <a:t>О</a:t>
-            </a:r>
-            <a:r>
-              <a:rPr lang="ru-RU" dirty="0" err="1" smtClean="0"/>
-              <a:t>трисовка</a:t>
+              <a:t>Отрисовка</a:t>
             </a:r>
             <a:r>
               <a:rPr lang="ru-RU" dirty="0" smtClean="0"/>
@@ -4141,7 +4133,17 @@
           <a:bodyPr/>
           <a:lstStyle/>
           <a:p>
-            <a:endParaRPr lang="ru-RU"/>
+            <a:r>
+              <a:rPr lang="ru-RU" dirty="0" smtClean="0"/>
+              <a:t>2 класса</a:t>
+            </a:r>
+          </a:p>
+          <a:p>
+            <a:r>
+              <a:rPr lang="ru-RU" dirty="0" smtClean="0"/>
+              <a:t>12 функций</a:t>
+            </a:r>
+            <a:endParaRPr lang="ru-RU" dirty="0"/>
           </a:p>
         </p:txBody>
       </p:sp>
